--- a/aws_sra_examples/solutions/config/config_aggregator_org/documentation/config-aggregator-org.pptx
+++ b/aws_sra_examples/solutions/config/config_aggregator_org/documentation/config-aggregator-org.pptx
@@ -197,7 +197,7 @@
           <a:p>
             <a:fld id="{FD8D84E3-00BA-4A46-8256-7E527D8B4480}" type="datetimeFigureOut">
               <a:rPr lang="en-US" smtClean="0"/>
-              <a:t>11/16/21</a:t>
+              <a:t>3/7/22</a:t>
             </a:fld>
             <a:endParaRPr lang="en-US"/>
           </a:p>
@@ -695,7 +695,7 @@
           <a:p>
             <a:fld id="{9FE185F7-9B28-9F45-9F43-9CB5A0B99390}" type="datetimeFigureOut">
               <a:rPr lang="en-US" smtClean="0"/>
-              <a:t>11/16/21</a:t>
+              <a:t>3/7/22</a:t>
             </a:fld>
             <a:endParaRPr lang="en-US"/>
           </a:p>
@@ -893,7 +893,7 @@
           <a:p>
             <a:fld id="{9FE185F7-9B28-9F45-9F43-9CB5A0B99390}" type="datetimeFigureOut">
               <a:rPr lang="en-US" smtClean="0"/>
-              <a:t>11/16/21</a:t>
+              <a:t>3/7/22</a:t>
             </a:fld>
             <a:endParaRPr lang="en-US"/>
           </a:p>
@@ -1101,7 +1101,7 @@
           <a:p>
             <a:fld id="{9FE185F7-9B28-9F45-9F43-9CB5A0B99390}" type="datetimeFigureOut">
               <a:rPr lang="en-US" smtClean="0"/>
-              <a:t>11/16/21</a:t>
+              <a:t>3/7/22</a:t>
             </a:fld>
             <a:endParaRPr lang="en-US"/>
           </a:p>
@@ -1299,7 +1299,7 @@
           <a:p>
             <a:fld id="{9FE185F7-9B28-9F45-9F43-9CB5A0B99390}" type="datetimeFigureOut">
               <a:rPr lang="en-US" smtClean="0"/>
-              <a:t>11/16/21</a:t>
+              <a:t>3/7/22</a:t>
             </a:fld>
             <a:endParaRPr lang="en-US"/>
           </a:p>
@@ -1574,7 +1574,7 @@
           <a:p>
             <a:fld id="{9FE185F7-9B28-9F45-9F43-9CB5A0B99390}" type="datetimeFigureOut">
               <a:rPr lang="en-US" smtClean="0"/>
-              <a:t>11/16/21</a:t>
+              <a:t>3/7/22</a:t>
             </a:fld>
             <a:endParaRPr lang="en-US"/>
           </a:p>
@@ -1839,7 +1839,7 @@
           <a:p>
             <a:fld id="{9FE185F7-9B28-9F45-9F43-9CB5A0B99390}" type="datetimeFigureOut">
               <a:rPr lang="en-US" smtClean="0"/>
-              <a:t>11/16/21</a:t>
+              <a:t>3/7/22</a:t>
             </a:fld>
             <a:endParaRPr lang="en-US"/>
           </a:p>
@@ -2251,7 +2251,7 @@
           <a:p>
             <a:fld id="{9FE185F7-9B28-9F45-9F43-9CB5A0B99390}" type="datetimeFigureOut">
               <a:rPr lang="en-US" smtClean="0"/>
-              <a:t>11/16/21</a:t>
+              <a:t>3/7/22</a:t>
             </a:fld>
             <a:endParaRPr lang="en-US"/>
           </a:p>
@@ -2392,7 +2392,7 @@
           <a:p>
             <a:fld id="{9FE185F7-9B28-9F45-9F43-9CB5A0B99390}" type="datetimeFigureOut">
               <a:rPr lang="en-US" smtClean="0"/>
-              <a:t>11/16/21</a:t>
+              <a:t>3/7/22</a:t>
             </a:fld>
             <a:endParaRPr lang="en-US"/>
           </a:p>
@@ -2505,7 +2505,7 @@
           <a:p>
             <a:fld id="{9FE185F7-9B28-9F45-9F43-9CB5A0B99390}" type="datetimeFigureOut">
               <a:rPr lang="en-US" smtClean="0"/>
-              <a:t>11/16/21</a:t>
+              <a:t>3/7/22</a:t>
             </a:fld>
             <a:endParaRPr lang="en-US"/>
           </a:p>
@@ -2816,7 +2816,7 @@
           <a:p>
             <a:fld id="{9FE185F7-9B28-9F45-9F43-9CB5A0B99390}" type="datetimeFigureOut">
               <a:rPr lang="en-US" smtClean="0"/>
-              <a:t>11/16/21</a:t>
+              <a:t>3/7/22</a:t>
             </a:fld>
             <a:endParaRPr lang="en-US"/>
           </a:p>
@@ -3104,7 +3104,7 @@
           <a:p>
             <a:fld id="{9FE185F7-9B28-9F45-9F43-9CB5A0B99390}" type="datetimeFigureOut">
               <a:rPr lang="en-US" smtClean="0"/>
-              <a:t>11/16/21</a:t>
+              <a:t>3/7/22</a:t>
             </a:fld>
             <a:endParaRPr lang="en-US"/>
           </a:p>
@@ -3345,7 +3345,7 @@
           <a:p>
             <a:fld id="{9FE185F7-9B28-9F45-9F43-9CB5A0B99390}" type="datetimeFigureOut">
               <a:rPr lang="en-US" smtClean="0"/>
-              <a:t>11/16/21</a:t>
+              <a:t>3/7/22</a:t>
             </a:fld>
             <a:endParaRPr lang="en-US"/>
           </a:p>
@@ -3776,8 +3776,8 @@
         </p:nvSpPr>
         <p:spPr>
           <a:xfrm>
-            <a:off x="2140085" y="671209"/>
-            <a:ext cx="8570068" cy="6077063"/>
+            <a:off x="3047558" y="1050555"/>
+            <a:ext cx="7532235" cy="4756889"/>
           </a:xfrm>
           <a:prstGeom prst="rect">
             <a:avLst/>
@@ -3932,8 +3932,8 @@
         </p:nvSpPr>
         <p:spPr>
           <a:xfrm>
-            <a:off x="4760312" y="834641"/>
-            <a:ext cx="3524400" cy="2705791"/>
+            <a:off x="5420349" y="1224863"/>
+            <a:ext cx="2703901" cy="1949199"/>
           </a:xfrm>
           <a:prstGeom prst="rect">
             <a:avLst/>
@@ -3983,36 +3983,6 @@
               <a:t>Organization Management Account</a:t>
             </a:r>
           </a:p>
-          <a:p>
-            <a:pPr algn="ctr"/>
-            <a:r>
-              <a:rPr lang="en-US" sz="1400" dirty="0">
-                <a:solidFill>
-                  <a:schemeClr val="tx1"/>
-                </a:solidFill>
-                <a:latin typeface="Arial" panose="020B0604020202020204" pitchFamily="34" charset="0"/>
-                <a:cs typeface="Arial" panose="020B0604020202020204" pitchFamily="34" charset="0"/>
-              </a:rPr>
-              <a:t>OU</a:t>
-            </a:r>
-            <a:r>
-              <a:rPr lang="en-US" sz="1400">
-                <a:solidFill>
-                  <a:schemeClr val="tx1"/>
-                </a:solidFill>
-                <a:latin typeface="Arial" panose="020B0604020202020204" pitchFamily="34" charset="0"/>
-                <a:cs typeface="Arial" panose="020B0604020202020204" pitchFamily="34" charset="0"/>
-              </a:rPr>
-              <a:t>: management</a:t>
-            </a:r>
-            <a:endParaRPr lang="en-US" sz="1400" dirty="0">
-              <a:solidFill>
-                <a:schemeClr val="tx1"/>
-              </a:solidFill>
-              <a:latin typeface="Arial" panose="020B0604020202020204" pitchFamily="34" charset="0"/>
-              <a:cs typeface="Arial" panose="020B0604020202020204" pitchFamily="34" charset="0"/>
-            </a:endParaRPr>
-          </a:p>
         </p:txBody>
       </p:sp>
       <p:pic>
@@ -4043,7 +4013,7 @@
         </p:blipFill>
         <p:spPr>
           <a:xfrm>
-            <a:off x="2143469" y="669541"/>
+            <a:off x="3050942" y="1048887"/>
             <a:ext cx="330200" cy="330200"/>
           </a:xfrm>
           <a:prstGeom prst="rect">
@@ -4065,8 +4035,8 @@
         </p:nvSpPr>
         <p:spPr>
           <a:xfrm>
-            <a:off x="2301925" y="3616101"/>
-            <a:ext cx="5217556" cy="2996546"/>
+            <a:off x="3161987" y="3258780"/>
+            <a:ext cx="4221091" cy="2447639"/>
           </a:xfrm>
           <a:prstGeom prst="rect">
             <a:avLst/>
@@ -4113,20 +4083,20 @@
                 <a:latin typeface="Arial" panose="020B0604020202020204" pitchFamily="34" charset="0"/>
                 <a:cs typeface="Arial" panose="020B0604020202020204" pitchFamily="34" charset="0"/>
               </a:rPr>
-              <a:t>Delegated Administrator Account (Audit)</a:t>
+              <a:t>Delegated Administrator Account (e.g. Audit)</a:t>
             </a:r>
           </a:p>
           <a:p>
             <a:pPr algn="ctr"/>
             <a:r>
-              <a:rPr lang="en-US" sz="1400" dirty="0">
+              <a:rPr lang="en-US" sz="1200" dirty="0">
                 <a:solidFill>
                   <a:schemeClr val="tx1"/>
                 </a:solidFill>
                 <a:latin typeface="Arial" panose="020B0604020202020204" pitchFamily="34" charset="0"/>
                 <a:cs typeface="Arial" panose="020B0604020202020204" pitchFamily="34" charset="0"/>
               </a:rPr>
-              <a:t>OU: Core</a:t>
+              <a:t>OU: Security</a:t>
             </a:r>
           </a:p>
         </p:txBody>
@@ -4145,8 +4115,8 @@
         </p:nvSpPr>
         <p:spPr>
           <a:xfrm>
-            <a:off x="7601495" y="3616101"/>
-            <a:ext cx="2953016" cy="3004005"/>
+            <a:off x="7465654" y="3258780"/>
+            <a:ext cx="2953016" cy="2447639"/>
           </a:xfrm>
           <a:prstGeom prst="rect">
             <a:avLst/>
@@ -4225,8 +4195,8 @@
         </p:nvSpPr>
         <p:spPr>
           <a:xfrm>
-            <a:off x="4713661" y="2689346"/>
-            <a:ext cx="1307240" cy="430887"/>
+            <a:off x="5648332" y="2622269"/>
+            <a:ext cx="1198577" cy="430887"/>
           </a:xfrm>
           <a:prstGeom prst="rect">
             <a:avLst/>
@@ -4278,8 +4248,8 @@
         </p:blipFill>
         <p:spPr>
           <a:xfrm>
-            <a:off x="5089703" y="2100952"/>
-            <a:ext cx="555156" cy="555156"/>
+            <a:off x="6024374" y="2166595"/>
+            <a:ext cx="457200" cy="457200"/>
           </a:xfrm>
           <a:prstGeom prst="rect">
             <a:avLst/>
@@ -4300,8 +4270,8 @@
         </p:nvSpPr>
         <p:spPr>
           <a:xfrm>
-            <a:off x="6321052" y="1586544"/>
-            <a:ext cx="1554846" cy="1731525"/>
+            <a:off x="5536837" y="1809248"/>
+            <a:ext cx="2477318" cy="1252139"/>
           </a:xfrm>
           <a:prstGeom prst="rect">
             <a:avLst/>
@@ -4331,7 +4301,7 @@
           </a:fontRef>
         </p:style>
         <p:txBody>
-          <a:bodyPr rot="0" spcFirstLastPara="0" vertOverflow="overflow" horzOverflow="overflow" vert="horz" wrap="square" lIns="91440" tIns="91440" rIns="91440" bIns="45720" numCol="1" spcCol="0" rtlCol="0" fromWordArt="0" anchor="t" anchorCtr="0" forceAA="0" compatLnSpc="1">
+          <a:bodyPr rot="0" spcFirstLastPara="0" vertOverflow="overflow" horzOverflow="overflow" vert="horz" wrap="square" lIns="91440" tIns="0" rIns="91440" bIns="45720" numCol="1" spcCol="0" rtlCol="0" fromWordArt="0" anchor="t" anchorCtr="0" forceAA="0" compatLnSpc="1">
             <a:prstTxWarp prst="textNoShape">
               <a:avLst/>
             </a:prstTxWarp>
@@ -4339,78 +4309,35 @@
           </a:bodyPr>
           <a:lstStyle/>
           <a:p>
-            <a:pPr algn="ctr"/>
-            <a:endParaRPr lang="en-US" sz="1400" dirty="0">
-              <a:solidFill>
-                <a:srgbClr val="5A6B86"/>
-              </a:solidFill>
-              <a:latin typeface="Arial" panose="020B0604020202020204" pitchFamily="34" charset="0"/>
-              <a:cs typeface="Arial" panose="020B0604020202020204" pitchFamily="34" charset="0"/>
-            </a:endParaRPr>
-          </a:p>
-        </p:txBody>
-      </p:sp>
-      <p:cxnSp>
-        <p:nvCxnSpPr>
-          <p:cNvPr id="154" name="Straight Arrow Connector 153">
-            <a:extLst>
-              <a:ext uri="{FF2B5EF4-FFF2-40B4-BE49-F238E27FC236}">
-                <a16:creationId xmlns:a16="http://schemas.microsoft.com/office/drawing/2014/main" id="{0FBB0361-D6B4-2F47-A0BE-F9DF0B40739C}"/>
-              </a:ext>
-            </a:extLst>
-          </p:cNvPr>
-          <p:cNvCxnSpPr>
-            <a:cxnSpLocks/>
-          </p:cNvCxnSpPr>
+            <a:r>
+              <a:rPr lang="en-US" sz="1100" b="1" dirty="0">
+                <a:solidFill>
+                  <a:schemeClr val="tx1"/>
+                </a:solidFill>
+                <a:latin typeface="Arial" panose="020B0604020202020204" pitchFamily="34" charset="0"/>
+                <a:cs typeface="Arial" panose="020B0604020202020204" pitchFamily="34" charset="0"/>
+              </a:rPr>
+              <a:t>Home-region</a:t>
+            </a:r>
+          </a:p>
+        </p:txBody>
+      </p:sp>
+      <p:sp>
+        <p:nvSpPr>
+          <p:cNvPr id="161" name="Rectangle 160">
+            <a:extLst>
+              <a:ext uri="{FF2B5EF4-FFF2-40B4-BE49-F238E27FC236}">
+                <a16:creationId xmlns:a16="http://schemas.microsoft.com/office/drawing/2014/main" id="{8DF520C0-1ED7-D14B-B849-8D3D81D0B87A}"/>
+              </a:ext>
+            </a:extLst>
+          </p:cNvPr>
+          <p:cNvSpPr/>
           <p:nvPr/>
-        </p:nvCxnSpPr>
+        </p:nvSpPr>
         <p:spPr>
           <a:xfrm>
-            <a:off x="5732261" y="2380538"/>
-            <a:ext cx="486285" cy="0"/>
-          </a:xfrm>
-          <a:prstGeom prst="straightConnector1">
-            <a:avLst/>
-          </a:prstGeom>
-          <a:ln w="12700">
-            <a:solidFill>
-              <a:srgbClr val="545B64"/>
-            </a:solidFill>
-            <a:headEnd type="none" w="med" len="sm"/>
-            <a:tailEnd type="arrow" w="med" len="sm"/>
-          </a:ln>
-        </p:spPr>
-        <p:style>
-          <a:lnRef idx="1">
-            <a:schemeClr val="accent1"/>
-          </a:lnRef>
-          <a:fillRef idx="0">
-            <a:schemeClr val="accent1"/>
-          </a:fillRef>
-          <a:effectRef idx="0">
-            <a:schemeClr val="accent1"/>
-          </a:effectRef>
-          <a:fontRef idx="minor">
-            <a:schemeClr val="tx1"/>
-          </a:fontRef>
-        </p:style>
-      </p:cxnSp>
-      <p:sp>
-        <p:nvSpPr>
-          <p:cNvPr id="161" name="Rectangle 160">
-            <a:extLst>
-              <a:ext uri="{FF2B5EF4-FFF2-40B4-BE49-F238E27FC236}">
-                <a16:creationId xmlns:a16="http://schemas.microsoft.com/office/drawing/2014/main" id="{8DF520C0-1ED7-D14B-B849-8D3D81D0B87A}"/>
-              </a:ext>
-            </a:extLst>
-          </p:cNvPr>
-          <p:cNvSpPr/>
-          <p:nvPr/>
-        </p:nvSpPr>
-        <p:spPr>
-          <a:xfrm>
-            <a:off x="8222669" y="4518259"/>
-            <a:ext cx="1667406" cy="1969013"/>
+            <a:off x="8260694" y="3986878"/>
+            <a:ext cx="1297014" cy="1486098"/>
           </a:xfrm>
           <a:prstGeom prst="rect">
             <a:avLst/>
@@ -4440,13 +4367,13 @@
           </a:fontRef>
         </p:style>
         <p:txBody>
-          <a:bodyPr rot="0" spcFirstLastPara="0" vertOverflow="overflow" horzOverflow="overflow" vert="horz" wrap="square" lIns="91440" tIns="91440" rIns="91440" bIns="45720" numCol="1" spcCol="0" rtlCol="0" fromWordArt="0" anchor="t" anchorCtr="0" forceAA="0" compatLnSpc="1">
+          <a:bodyPr rot="0" spcFirstLastPara="0" vertOverflow="overflow" horzOverflow="overflow" vert="horz" wrap="square" lIns="91440" tIns="0" rIns="91440" bIns="45720" numCol="1" spcCol="0" rtlCol="0" fromWordArt="0" anchor="t" anchorCtr="0" forceAA="0" compatLnSpc="1">
             <a:noAutofit/>
           </a:bodyPr>
           <a:lstStyle/>
           <a:p>
             <a:r>
-              <a:rPr lang="en-US" sz="1100" dirty="0">
+              <a:rPr lang="en-US" sz="1100" b="1" dirty="0">
                 <a:solidFill>
                   <a:schemeClr val="tx1"/>
                 </a:solidFill>
@@ -4455,7 +4382,7 @@
               </a:rPr>
               <a:t>region-1</a:t>
             </a:r>
-            <a:endParaRPr lang="en-US" sz="1400" dirty="0">
+            <a:endParaRPr lang="en-US" sz="1400" b="1" dirty="0">
               <a:solidFill>
                 <a:schemeClr val="tx1"/>
               </a:solidFill>
@@ -4479,7 +4406,7 @@
         </p:nvSpPr>
         <p:spPr>
           <a:xfrm>
-            <a:off x="4127952" y="5401076"/>
+            <a:off x="4416257" y="4876401"/>
             <a:ext cx="1267555" cy="430887"/>
           </a:xfrm>
           <a:prstGeom prst="rect">
@@ -4532,7 +4459,7 @@
         </p:blipFill>
         <p:spPr>
           <a:xfrm>
-            <a:off x="4540214" y="5010672"/>
+            <a:off x="4793170" y="4511953"/>
             <a:ext cx="469900" cy="469900"/>
           </a:xfrm>
           <a:prstGeom prst="rect">
@@ -4554,7 +4481,7 @@
         </p:nvSpPr>
         <p:spPr>
           <a:xfrm>
-            <a:off x="2368295" y="5462139"/>
+            <a:off x="3225493" y="4981853"/>
             <a:ext cx="1186521" cy="430887"/>
           </a:xfrm>
           <a:prstGeom prst="rect">
@@ -4607,8 +4534,8 @@
         </p:blipFill>
         <p:spPr>
           <a:xfrm>
-            <a:off x="2700644" y="4882668"/>
-            <a:ext cx="555156" cy="555156"/>
+            <a:off x="3590154" y="4524653"/>
+            <a:ext cx="457200" cy="457200"/>
           </a:xfrm>
           <a:prstGeom prst="rect">
             <a:avLst/>
@@ -4629,8 +4556,8 @@
         </p:nvSpPr>
         <p:spPr>
           <a:xfrm>
-            <a:off x="3948430" y="4184383"/>
-            <a:ext cx="3405688" cy="2364853"/>
+            <a:off x="3264595" y="3835375"/>
+            <a:ext cx="3982720" cy="1746354"/>
           </a:xfrm>
           <a:prstGeom prst="rect">
             <a:avLst/>
@@ -4660,7 +4587,7 @@
           </a:fontRef>
         </p:style>
         <p:txBody>
-          <a:bodyPr rot="0" spcFirstLastPara="0" vertOverflow="overflow" horzOverflow="overflow" vert="horz" wrap="square" lIns="91440" tIns="91440" rIns="91440" bIns="45720" numCol="1" spcCol="0" rtlCol="0" fromWordArt="0" anchor="t" anchorCtr="0" forceAA="0" compatLnSpc="1">
+          <a:bodyPr rot="0" spcFirstLastPara="0" vertOverflow="overflow" horzOverflow="overflow" vert="horz" wrap="square" lIns="91440" tIns="0" rIns="91440" bIns="45720" numCol="1" spcCol="0" rtlCol="0" fromWordArt="0" anchor="t" anchorCtr="0" forceAA="0" compatLnSpc="1">
             <a:prstTxWarp prst="textNoShape">
               <a:avLst/>
             </a:prstTxWarp>
@@ -4668,78 +4595,35 @@
           </a:bodyPr>
           <a:lstStyle/>
           <a:p>
-            <a:pPr algn="ctr"/>
-            <a:endParaRPr lang="en-US" sz="1400" dirty="0">
-              <a:solidFill>
-                <a:srgbClr val="5A6B86"/>
-              </a:solidFill>
-              <a:latin typeface="Arial" panose="020B0604020202020204" pitchFamily="34" charset="0"/>
-              <a:cs typeface="Arial" panose="020B0604020202020204" pitchFamily="34" charset="0"/>
-            </a:endParaRPr>
-          </a:p>
-        </p:txBody>
-      </p:sp>
-      <p:cxnSp>
-        <p:nvCxnSpPr>
-          <p:cNvPr id="196" name="Straight Arrow Connector 195">
-            <a:extLst>
-              <a:ext uri="{FF2B5EF4-FFF2-40B4-BE49-F238E27FC236}">
-                <a16:creationId xmlns:a16="http://schemas.microsoft.com/office/drawing/2014/main" id="{608E574B-049F-DD43-AF4F-C396CC8C7873}"/>
-              </a:ext>
-            </a:extLst>
-          </p:cNvPr>
-          <p:cNvCxnSpPr>
-            <a:cxnSpLocks/>
-          </p:cNvCxnSpPr>
+            <a:r>
+              <a:rPr lang="en-US" sz="1100" b="1" dirty="0">
+                <a:solidFill>
+                  <a:schemeClr val="tx1"/>
+                </a:solidFill>
+                <a:latin typeface="Arial" panose="020B0604020202020204" pitchFamily="34" charset="0"/>
+                <a:cs typeface="Arial" panose="020B0604020202020204" pitchFamily="34" charset="0"/>
+              </a:rPr>
+              <a:t>Home-region</a:t>
+            </a:r>
+          </a:p>
+        </p:txBody>
+      </p:sp>
+      <p:sp>
+        <p:nvSpPr>
+          <p:cNvPr id="208" name="Rectangle 207">
+            <a:extLst>
+              <a:ext uri="{FF2B5EF4-FFF2-40B4-BE49-F238E27FC236}">
+                <a16:creationId xmlns:a16="http://schemas.microsoft.com/office/drawing/2014/main" id="{AD1587EE-9009-444D-B7A4-F476E2BA0C52}"/>
+              </a:ext>
+            </a:extLst>
+          </p:cNvPr>
+          <p:cNvSpPr/>
           <p:nvPr/>
-        </p:nvCxnSpPr>
+        </p:nvSpPr>
         <p:spPr>
           <a:xfrm>
-            <a:off x="3311673" y="5160246"/>
-            <a:ext cx="486285" cy="0"/>
-          </a:xfrm>
-          <a:prstGeom prst="straightConnector1">
-            <a:avLst/>
-          </a:prstGeom>
-          <a:ln w="12700">
-            <a:solidFill>
-              <a:srgbClr val="545B64"/>
-            </a:solidFill>
-            <a:headEnd type="none" w="med" len="sm"/>
-            <a:tailEnd type="arrow" w="med" len="sm"/>
-          </a:ln>
-        </p:spPr>
-        <p:style>
-          <a:lnRef idx="1">
-            <a:schemeClr val="accent1"/>
-          </a:lnRef>
-          <a:fillRef idx="0">
-            <a:schemeClr val="accent1"/>
-          </a:fillRef>
-          <a:effectRef idx="0">
-            <a:schemeClr val="accent1"/>
-          </a:effectRef>
-          <a:fontRef idx="minor">
-            <a:schemeClr val="tx1"/>
-          </a:fontRef>
-        </p:style>
-      </p:cxnSp>
-      <p:sp>
-        <p:nvSpPr>
-          <p:cNvPr id="208" name="Rectangle 207">
-            <a:extLst>
-              <a:ext uri="{FF2B5EF4-FFF2-40B4-BE49-F238E27FC236}">
-                <a16:creationId xmlns:a16="http://schemas.microsoft.com/office/drawing/2014/main" id="{AD1587EE-9009-444D-B7A4-F476E2BA0C52}"/>
-              </a:ext>
-            </a:extLst>
-          </p:cNvPr>
-          <p:cNvSpPr/>
-          <p:nvPr/>
-        </p:nvSpPr>
-        <p:spPr>
-          <a:xfrm>
-            <a:off x="8375069" y="4835250"/>
-            <a:ext cx="1515006" cy="1652022"/>
+            <a:off x="8352675" y="4223944"/>
+            <a:ext cx="1205032" cy="1249031"/>
           </a:xfrm>
           <a:prstGeom prst="rect">
             <a:avLst/>
@@ -4769,13 +4653,13 @@
           </a:fontRef>
         </p:style>
         <p:txBody>
-          <a:bodyPr rot="0" spcFirstLastPara="0" vertOverflow="overflow" horzOverflow="overflow" vert="horz" wrap="square" lIns="91440" tIns="91440" rIns="91440" bIns="45720" numCol="1" spcCol="0" rtlCol="0" fromWordArt="0" anchor="t" anchorCtr="0" forceAA="0" compatLnSpc="1">
+          <a:bodyPr rot="0" spcFirstLastPara="0" vertOverflow="overflow" horzOverflow="overflow" vert="horz" wrap="square" lIns="91440" tIns="0" rIns="91440" bIns="45720" numCol="1" spcCol="0" rtlCol="0" fromWordArt="0" anchor="t" anchorCtr="0" forceAA="0" compatLnSpc="1">
             <a:noAutofit/>
           </a:bodyPr>
           <a:lstStyle/>
           <a:p>
             <a:r>
-              <a:rPr lang="en-US" sz="1100" dirty="0">
+              <a:rPr lang="en-US" sz="1100" b="1" dirty="0">
                 <a:solidFill>
                   <a:schemeClr val="tx1"/>
                 </a:solidFill>
@@ -4801,8 +4685,8 @@
         </p:nvSpPr>
         <p:spPr>
           <a:xfrm>
-            <a:off x="8511339" y="5160246"/>
-            <a:ext cx="1378736" cy="1327026"/>
+            <a:off x="8416336" y="4446430"/>
+            <a:ext cx="1141372" cy="1026545"/>
           </a:xfrm>
           <a:prstGeom prst="rect">
             <a:avLst/>
@@ -4832,13 +4716,13 @@
           </a:fontRef>
         </p:style>
         <p:txBody>
-          <a:bodyPr rot="0" spcFirstLastPara="0" vertOverflow="overflow" horzOverflow="overflow" vert="horz" wrap="square" lIns="91440" tIns="91440" rIns="91440" bIns="45720" numCol="1" spcCol="0" rtlCol="0" fromWordArt="0" anchor="t" anchorCtr="0" forceAA="0" compatLnSpc="1">
+          <a:bodyPr rot="0" spcFirstLastPara="0" vertOverflow="overflow" horzOverflow="overflow" vert="horz" wrap="square" lIns="91440" tIns="0" rIns="91440" bIns="45720" numCol="1" spcCol="0" rtlCol="0" fromWordArt="0" anchor="t" anchorCtr="0" forceAA="0" compatLnSpc="1">
             <a:noAutofit/>
           </a:bodyPr>
           <a:lstStyle/>
           <a:p>
             <a:r>
-              <a:rPr lang="en-US" sz="1100" dirty="0">
+              <a:rPr lang="en-US" sz="1100" b="1" dirty="0">
                 <a:solidFill>
                   <a:schemeClr val="tx1"/>
                 </a:solidFill>
@@ -4847,7 +4731,7 @@
               </a:rPr>
               <a:t>region-n</a:t>
             </a:r>
-            <a:endParaRPr lang="en-US" sz="1400" dirty="0">
+            <a:endParaRPr lang="en-US" sz="1400" b="1" dirty="0">
               <a:solidFill>
                 <a:schemeClr val="tx1"/>
               </a:solidFill>
@@ -4871,8 +4755,8 @@
         </p:nvSpPr>
         <p:spPr>
           <a:xfrm>
-            <a:off x="5567898" y="4518260"/>
-            <a:ext cx="1667406" cy="1969013"/>
+            <a:off x="5730521" y="3986878"/>
+            <a:ext cx="1412318" cy="1486097"/>
           </a:xfrm>
           <a:prstGeom prst="rect">
             <a:avLst/>
@@ -4909,7 +4793,7 @@
           <a:p>
             <a:pPr algn="ctr"/>
             <a:r>
-              <a:rPr lang="en-US" sz="1200" dirty="0">
+              <a:rPr lang="en-US" sz="1200" b="1" dirty="0">
                 <a:solidFill>
                   <a:schemeClr val="tx1"/>
                 </a:solidFill>
@@ -4921,53 +4805,6 @@
           </a:p>
         </p:txBody>
       </p:sp>
-      <p:cxnSp>
-        <p:nvCxnSpPr>
-          <p:cNvPr id="222" name="Straight Arrow Connector 221">
-            <a:extLst>
-              <a:ext uri="{FF2B5EF4-FFF2-40B4-BE49-F238E27FC236}">
-                <a16:creationId xmlns:a16="http://schemas.microsoft.com/office/drawing/2014/main" id="{77A80DFC-1DB5-4141-A91F-A73FF3B863A4}"/>
-              </a:ext>
-            </a:extLst>
-          </p:cNvPr>
-          <p:cNvCxnSpPr>
-            <a:cxnSpLocks/>
-            <a:stCxn id="94" idx="1"/>
-            <a:endCxn id="96" idx="3"/>
-          </p:cNvCxnSpPr>
-          <p:nvPr/>
-        </p:nvCxnSpPr>
-        <p:spPr>
-          <a:xfrm flipH="1" flipV="1">
-            <a:off x="6696394" y="5768812"/>
-            <a:ext cx="2201344" cy="2516"/>
-          </a:xfrm>
-          <a:prstGeom prst="straightConnector1">
-            <a:avLst/>
-          </a:prstGeom>
-          <a:ln w="12700">
-            <a:solidFill>
-              <a:srgbClr val="545B64"/>
-            </a:solidFill>
-            <a:headEnd type="none" w="med" len="sm"/>
-            <a:tailEnd type="arrow" w="med" len="sm"/>
-          </a:ln>
-        </p:spPr>
-        <p:style>
-          <a:lnRef idx="1">
-            <a:schemeClr val="accent1"/>
-          </a:lnRef>
-          <a:fillRef idx="0">
-            <a:schemeClr val="accent1"/>
-          </a:fillRef>
-          <a:effectRef idx="0">
-            <a:schemeClr val="accent1"/>
-          </a:effectRef>
-          <a:fontRef idx="minor">
-            <a:schemeClr val="tx1"/>
-          </a:fontRef>
-        </p:style>
-      </p:cxnSp>
       <p:sp>
         <p:nvSpPr>
           <p:cNvPr id="226" name="Oval 225">
@@ -4982,7 +4819,7 @@
         </p:nvSpPr>
         <p:spPr>
           <a:xfrm>
-            <a:off x="4792003" y="862073"/>
+            <a:off x="5452040" y="1252295"/>
             <a:ext cx="253435" cy="212902"/>
           </a:xfrm>
           <a:prstGeom prst="ellipse">
@@ -5042,7 +4879,7 @@
         </p:nvSpPr>
         <p:spPr>
           <a:xfrm>
-            <a:off x="5090359" y="2107657"/>
+            <a:off x="6031957" y="2173300"/>
             <a:ext cx="253435" cy="212902"/>
           </a:xfrm>
           <a:prstGeom prst="ellipse">
@@ -5102,7 +4939,7 @@
         </p:nvSpPr>
         <p:spPr>
           <a:xfrm>
-            <a:off x="2328295" y="3636886"/>
+            <a:off x="3188357" y="3279565"/>
             <a:ext cx="253435" cy="212902"/>
           </a:xfrm>
           <a:prstGeom prst="ellipse">
@@ -5162,7 +4999,7 @@
         </p:nvSpPr>
         <p:spPr>
           <a:xfrm>
-            <a:off x="7620951" y="3638540"/>
+            <a:off x="7485110" y="3281218"/>
             <a:ext cx="253435" cy="212902"/>
           </a:xfrm>
           <a:prstGeom prst="ellipse">
@@ -5222,7 +5059,7 @@
         </p:nvSpPr>
         <p:spPr>
           <a:xfrm>
-            <a:off x="2715870" y="4891175"/>
+            <a:off x="3605380" y="4533160"/>
             <a:ext cx="253435" cy="212902"/>
           </a:xfrm>
           <a:prstGeom prst="ellipse">
@@ -5282,7 +5119,7 @@
         </p:nvSpPr>
         <p:spPr>
           <a:xfrm>
-            <a:off x="4673525" y="4859335"/>
+            <a:off x="4926481" y="4360616"/>
             <a:ext cx="253435" cy="212902"/>
           </a:xfrm>
           <a:prstGeom prst="ellipse">
@@ -5357,8 +5194,8 @@
         </p:blipFill>
         <p:spPr bwMode="auto">
           <a:xfrm>
-            <a:off x="8897738" y="5492436"/>
-            <a:ext cx="557784" cy="557784"/>
+            <a:off x="8734682" y="4720453"/>
+            <a:ext cx="457200" cy="457200"/>
           </a:xfrm>
           <a:prstGeom prst="rect">
             <a:avLst/>
@@ -5402,7 +5239,7 @@
         </p:nvSpPr>
         <p:spPr>
           <a:xfrm>
-            <a:off x="8559980" y="6030764"/>
+            <a:off x="8372327" y="5177653"/>
             <a:ext cx="1249042" cy="261610"/>
           </a:xfrm>
           <a:prstGeom prst="rect">
@@ -5441,7 +5278,7 @@
         </p:nvSpPr>
         <p:spPr>
           <a:xfrm>
-            <a:off x="8906469" y="5502993"/>
+            <a:off x="8743413" y="4731010"/>
             <a:ext cx="253435" cy="212902"/>
           </a:xfrm>
           <a:prstGeom prst="ellipse">
@@ -5516,8 +5353,8 @@
         </p:blipFill>
         <p:spPr bwMode="auto">
           <a:xfrm>
-            <a:off x="6138610" y="5489920"/>
-            <a:ext cx="557784" cy="557784"/>
+            <a:off x="6210847" y="4533160"/>
+            <a:ext cx="457200" cy="457200"/>
           </a:xfrm>
           <a:prstGeom prst="rect">
             <a:avLst/>
@@ -5561,7 +5398,7 @@
         </p:nvSpPr>
         <p:spPr>
           <a:xfrm>
-            <a:off x="5889372" y="6047704"/>
+            <a:off x="5903527" y="4990360"/>
             <a:ext cx="1047687" cy="430887"/>
           </a:xfrm>
           <a:prstGeom prst="rect">
@@ -5600,7 +5437,7 @@
         </p:nvSpPr>
         <p:spPr>
           <a:xfrm>
-            <a:off x="6138610" y="5502322"/>
+            <a:off x="6225055" y="4547880"/>
             <a:ext cx="253435" cy="212902"/>
           </a:xfrm>
           <a:prstGeom prst="ellipse">
@@ -5675,8 +5512,8 @@
         </p:blipFill>
         <p:spPr bwMode="auto">
           <a:xfrm>
-            <a:off x="6835417" y="2113022"/>
-            <a:ext cx="557784" cy="557784"/>
+            <a:off x="7183053" y="2173300"/>
+            <a:ext cx="457200" cy="457200"/>
           </a:xfrm>
           <a:prstGeom prst="rect">
             <a:avLst/>
@@ -5720,8 +5557,8 @@
         </p:nvSpPr>
         <p:spPr>
           <a:xfrm>
-            <a:off x="6466343" y="2670806"/>
-            <a:ext cx="1307240" cy="430887"/>
+            <a:off x="6886093" y="2630500"/>
+            <a:ext cx="1053138" cy="430887"/>
           </a:xfrm>
           <a:prstGeom prst="rect">
             <a:avLst/>
@@ -5759,7 +5596,7 @@
         </p:nvSpPr>
         <p:spPr>
           <a:xfrm>
-            <a:off x="6839836" y="2117393"/>
+            <a:off x="7187472" y="2177671"/>
             <a:ext cx="253435" cy="212902"/>
           </a:xfrm>
           <a:prstGeom prst="ellipse">
